--- a/Semester 4/Software Engineering/Lectures/Lecture 1.pptx
+++ b/Semester 4/Software Engineering/Lectures/Lecture 1.pptx
@@ -29758,18 +29758,36 @@
 </file>
 
 <file path=customXml/item1.xml><?xml version="1.0" encoding="utf-8"?>
-<ct:contentTypeSchema xmlns:ct="http://schemas.microsoft.com/office/2006/metadata/contentType" xmlns:ma="http://schemas.microsoft.com/office/2006/metadata/properties/metaAttributes" ct:_="" ma:_="" ma:contentTypeName="Document" ma:contentTypeID="0x01010031F931DA2832A6409916756CF2B8B544" ma:contentTypeVersion="0" ma:contentTypeDescription="Create a new document." ma:contentTypeScope="" ma:versionID="ace616fb2dc58af526641b4824b6adbe">
-  <xsd:schema xmlns:xsd="http://www.w3.org/2001/XMLSchema" xmlns:xs="http://www.w3.org/2001/XMLSchema" xmlns:p="http://schemas.microsoft.com/office/2006/metadata/properties" targetNamespace="http://schemas.microsoft.com/office/2006/metadata/properties" ma:root="true" ma:fieldsID="0967b7be50301903c78f9c39c6fd9af8">
+<ct:contentTypeSchema xmlns:ct="http://schemas.microsoft.com/office/2006/metadata/contentType" xmlns:ma="http://schemas.microsoft.com/office/2006/metadata/properties/metaAttributes" ct:_="" ma:_="" ma:contentTypeName="Document" ma:contentTypeID="0x01010031F931DA2832A6409916756CF2B8B544" ma:contentTypeVersion="2" ma:contentTypeDescription="Create a new document." ma:contentTypeScope="" ma:versionID="2789e2fdd80b44eaefe8e0033dd9cc53">
+  <xsd:schema xmlns:xsd="http://www.w3.org/2001/XMLSchema" xmlns:xs="http://www.w3.org/2001/XMLSchema" xmlns:p="http://schemas.microsoft.com/office/2006/metadata/properties" xmlns:ns2="cd2fa718-a2cb-4369-aee2-1e6d1b99154e" targetNamespace="http://schemas.microsoft.com/office/2006/metadata/properties" ma:root="true" ma:fieldsID="d5c9ca9270cbb5f3248f659697cffc8c" ns2:_="">
+    <xsd:import namespace="cd2fa718-a2cb-4369-aee2-1e6d1b99154e"/>
     <xsd:element name="properties">
       <xsd:complexType>
         <xsd:sequence>
           <xsd:element name="documentManagement">
             <xsd:complexType>
-              <xsd:all/>
+              <xsd:all>
+                <xsd:element ref="ns2:MediaServiceMetadata" minOccurs="0"/>
+                <xsd:element ref="ns2:MediaServiceFastMetadata" minOccurs="0"/>
+              </xsd:all>
             </xsd:complexType>
           </xsd:element>
         </xsd:sequence>
       </xsd:complexType>
+    </xsd:element>
+  </xsd:schema>
+  <xsd:schema xmlns:xsd="http://www.w3.org/2001/XMLSchema" xmlns:xs="http://www.w3.org/2001/XMLSchema" xmlns:dms="http://schemas.microsoft.com/office/2006/documentManagement/types" xmlns:pc="http://schemas.microsoft.com/office/infopath/2007/PartnerControls" targetNamespace="cd2fa718-a2cb-4369-aee2-1e6d1b99154e" elementFormDefault="qualified">
+    <xsd:import namespace="http://schemas.microsoft.com/office/2006/documentManagement/types"/>
+    <xsd:import namespace="http://schemas.microsoft.com/office/infopath/2007/PartnerControls"/>
+    <xsd:element name="MediaServiceMetadata" ma:index="8" nillable="true" ma:displayName="MediaServiceMetadata" ma:hidden="true" ma:internalName="MediaServiceMetadata" ma:readOnly="true">
+      <xsd:simpleType>
+        <xsd:restriction base="dms:Note"/>
+      </xsd:simpleType>
+    </xsd:element>
+    <xsd:element name="MediaServiceFastMetadata" ma:index="9" nillable="true" ma:displayName="MediaServiceFastMetadata" ma:hidden="true" ma:internalName="MediaServiceFastMetadata" ma:readOnly="true">
+      <xsd:simpleType>
+        <xsd:restriction base="dms:Note"/>
+      </xsd:simpleType>
     </xsd:element>
   </xsd:schema>
   <xsd:schema xmlns="http://schemas.openxmlformats.org/package/2006/metadata/core-properties" xmlns:xsd="http://www.w3.org/2001/XMLSchema" xmlns:xsi="http://www.w3.org/2001/XMLSchema-instance" xmlns:dc="http://purl.org/dc/elements/1.1/" xmlns:dcterms="http://purl.org/dc/terms/" xmlns:odoc="http://schemas.microsoft.com/internal/obd" targetNamespace="http://schemas.openxmlformats.org/package/2006/metadata/core-properties" elementFormDefault="qualified" attributeFormDefault="unqualified" blockDefault="#all">
@@ -29887,7 +29905,7 @@
 </file>
 
 <file path=customXml/itemProps1.xml><?xml version="1.0" encoding="utf-8"?>
-<ds:datastoreItem xmlns:ds="http://schemas.openxmlformats.org/officeDocument/2006/customXml" ds:itemID="{937E941A-14F2-4F0D-8AC2-0334EFEF6F1A}"/>
+<ds:datastoreItem xmlns:ds="http://schemas.openxmlformats.org/officeDocument/2006/customXml" ds:itemID="{DF7AA710-D8D6-40E4-A668-D5D7F1E0DA03}"/>
 </file>
 
 <file path=customXml/itemProps2.xml><?xml version="1.0" encoding="utf-8"?>
